--- a/manuscript/resources/images/originals/Design Complexity Model.pptx
+++ b/manuscript/resources/images/originals/Design Complexity Model.pptx
@@ -200,7 +200,7 @@
           <a:p>
             <a:fld id="{DE1486AF-FBBF-974C-8703-C8DDCB37462C}" type="datetimeFigureOut">
               <a:rPr lang="en-US" smtClean="0"/>
-              <a:t>9/24/17</a:t>
+              <a:t>9/30/17</a:t>
             </a:fld>
             <a:endParaRPr lang="en-US"/>
           </a:p>
@@ -599,7 +599,7 @@
           <a:p>
             <a:fld id="{5580ADE2-89C4-5049-8135-831C8A065133}" type="datetimeFigureOut">
               <a:rPr lang="en-US" smtClean="0"/>
-              <a:t>9/24/17</a:t>
+              <a:t>9/30/17</a:t>
             </a:fld>
             <a:endParaRPr lang="en-US"/>
           </a:p>
@@ -769,7 +769,7 @@
           <a:p>
             <a:fld id="{5580ADE2-89C4-5049-8135-831C8A065133}" type="datetimeFigureOut">
               <a:rPr lang="en-US" smtClean="0"/>
-              <a:t>9/24/17</a:t>
+              <a:t>9/30/17</a:t>
             </a:fld>
             <a:endParaRPr lang="en-US"/>
           </a:p>
@@ -949,7 +949,7 @@
           <a:p>
             <a:fld id="{5580ADE2-89C4-5049-8135-831C8A065133}" type="datetimeFigureOut">
               <a:rPr lang="en-US" smtClean="0"/>
-              <a:t>9/24/17</a:t>
+              <a:t>9/30/17</a:t>
             </a:fld>
             <a:endParaRPr lang="en-US"/>
           </a:p>
@@ -1119,7 +1119,7 @@
           <a:p>
             <a:fld id="{5580ADE2-89C4-5049-8135-831C8A065133}" type="datetimeFigureOut">
               <a:rPr lang="en-US" smtClean="0"/>
-              <a:t>9/24/17</a:t>
+              <a:t>9/30/17</a:t>
             </a:fld>
             <a:endParaRPr lang="en-US"/>
           </a:p>
@@ -1363,7 +1363,7 @@
           <a:p>
             <a:fld id="{5580ADE2-89C4-5049-8135-831C8A065133}" type="datetimeFigureOut">
               <a:rPr lang="en-US" smtClean="0"/>
-              <a:t>9/24/17</a:t>
+              <a:t>9/30/17</a:t>
             </a:fld>
             <a:endParaRPr lang="en-US"/>
           </a:p>
@@ -1595,7 +1595,7 @@
           <a:p>
             <a:fld id="{5580ADE2-89C4-5049-8135-831C8A065133}" type="datetimeFigureOut">
               <a:rPr lang="en-US" smtClean="0"/>
-              <a:t>9/24/17</a:t>
+              <a:t>9/30/17</a:t>
             </a:fld>
             <a:endParaRPr lang="en-US"/>
           </a:p>
@@ -1962,7 +1962,7 @@
           <a:p>
             <a:fld id="{5580ADE2-89C4-5049-8135-831C8A065133}" type="datetimeFigureOut">
               <a:rPr lang="en-US" smtClean="0"/>
-              <a:t>9/24/17</a:t>
+              <a:t>9/30/17</a:t>
             </a:fld>
             <a:endParaRPr lang="en-US"/>
           </a:p>
@@ -2080,7 +2080,7 @@
           <a:p>
             <a:fld id="{5580ADE2-89C4-5049-8135-831C8A065133}" type="datetimeFigureOut">
               <a:rPr lang="en-US" smtClean="0"/>
-              <a:t>9/24/17</a:t>
+              <a:t>9/30/17</a:t>
             </a:fld>
             <a:endParaRPr lang="en-US"/>
           </a:p>
@@ -2175,7 +2175,7 @@
           <a:p>
             <a:fld id="{5580ADE2-89C4-5049-8135-831C8A065133}" type="datetimeFigureOut">
               <a:rPr lang="en-US" smtClean="0"/>
-              <a:t>9/24/17</a:t>
+              <a:t>9/30/17</a:t>
             </a:fld>
             <a:endParaRPr lang="en-US"/>
           </a:p>
@@ -2452,7 +2452,7 @@
           <a:p>
             <a:fld id="{5580ADE2-89C4-5049-8135-831C8A065133}" type="datetimeFigureOut">
               <a:rPr lang="en-US" smtClean="0"/>
-              <a:t>9/24/17</a:t>
+              <a:t>9/30/17</a:t>
             </a:fld>
             <a:endParaRPr lang="en-US"/>
           </a:p>
@@ -2709,7 +2709,7 @@
           <a:p>
             <a:fld id="{5580ADE2-89C4-5049-8135-831C8A065133}" type="datetimeFigureOut">
               <a:rPr lang="en-US" smtClean="0"/>
-              <a:t>9/24/17</a:t>
+              <a:t>9/30/17</a:t>
             </a:fld>
             <a:endParaRPr lang="en-US"/>
           </a:p>
@@ -2922,7 +2922,7 @@
           <a:p>
             <a:fld id="{5580ADE2-89C4-5049-8135-831C8A065133}" type="datetimeFigureOut">
               <a:rPr lang="en-US" smtClean="0"/>
-              <a:t>9/24/17</a:t>
+              <a:t>9/30/17</a:t>
             </a:fld>
             <a:endParaRPr lang="en-US"/>
           </a:p>
@@ -3509,8 +3509,9 @@
           </a:bodyPr>
           <a:lstStyle/>
           <a:p>
-            <a:r>
-              <a:rPr lang="en-GB" sz="900" dirty="0">
+            <a:pPr algn="ctr"/>
+            <a:r>
+              <a:rPr lang="en-GB" sz="900" dirty="0" smtClean="0">
                 <a:solidFill>
                   <a:schemeClr val="bg1"/>
                 </a:solidFill>
@@ -3518,8 +3519,16 @@
                 <a:ea typeface="TheSans B4SemiLight" charset="0"/>
                 <a:cs typeface="TheSans B4SemiLight" charset="0"/>
               </a:rPr>
-              <a:t>Technique</a:t>
-            </a:r>
+              <a:t>Resources</a:t>
+            </a:r>
+            <a:endParaRPr lang="en-GB" sz="900" dirty="0">
+              <a:solidFill>
+                <a:schemeClr val="bg1"/>
+              </a:solidFill>
+              <a:latin typeface="TheSans B4SemiLight" charset="0"/>
+              <a:ea typeface="TheSans B4SemiLight" charset="0"/>
+              <a:cs typeface="TheSans B4SemiLight" charset="0"/>
+            </a:endParaRPr>
           </a:p>
         </p:txBody>
       </p:sp>
@@ -4090,8 +4099,9 @@
           </a:bodyPr>
           <a:lstStyle/>
           <a:p>
-            <a:r>
-              <a:rPr lang="en-GB" sz="900" dirty="0">
+            <a:pPr algn="ctr"/>
+            <a:r>
+              <a:rPr lang="en-GB" sz="900" dirty="0" smtClean="0">
                 <a:solidFill>
                   <a:schemeClr val="bg1"/>
                 </a:solidFill>
@@ -4099,8 +4109,16 @@
                 <a:ea typeface="TheSans B4SemiLight" charset="0"/>
                 <a:cs typeface="TheSans B4SemiLight" charset="0"/>
               </a:rPr>
-              <a:t>Technique</a:t>
-            </a:r>
+              <a:t>Resources</a:t>
+            </a:r>
+            <a:endParaRPr lang="en-GB" sz="900" dirty="0">
+              <a:solidFill>
+                <a:schemeClr val="bg1"/>
+              </a:solidFill>
+              <a:latin typeface="TheSans B4SemiLight" charset="0"/>
+              <a:ea typeface="TheSans B4SemiLight" charset="0"/>
+              <a:cs typeface="TheSans B4SemiLight" charset="0"/>
+            </a:endParaRPr>
           </a:p>
         </p:txBody>
       </p:sp>
@@ -4677,8 +4695,9 @@
           </a:bodyPr>
           <a:lstStyle/>
           <a:p>
-            <a:r>
-              <a:rPr lang="en-GB" sz="900" dirty="0">
+            <a:pPr algn="ctr"/>
+            <a:r>
+              <a:rPr lang="en-GB" sz="900" dirty="0" smtClean="0">
                 <a:solidFill>
                   <a:schemeClr val="bg1"/>
                 </a:solidFill>
@@ -4686,8 +4705,16 @@
                 <a:ea typeface="TheSans B4SemiLight" charset="0"/>
                 <a:cs typeface="TheSans B4SemiLight" charset="0"/>
               </a:rPr>
-              <a:t>Technique</a:t>
-            </a:r>
+              <a:t>Resources</a:t>
+            </a:r>
+            <a:endParaRPr lang="en-GB" sz="900" dirty="0">
+              <a:solidFill>
+                <a:schemeClr val="bg1"/>
+              </a:solidFill>
+              <a:latin typeface="TheSans B4SemiLight" charset="0"/>
+              <a:ea typeface="TheSans B4SemiLight" charset="0"/>
+              <a:cs typeface="TheSans B4SemiLight" charset="0"/>
+            </a:endParaRPr>
           </a:p>
         </p:txBody>
       </p:sp>
@@ -5264,8 +5291,9 @@
           </a:bodyPr>
           <a:lstStyle/>
           <a:p>
-            <a:r>
-              <a:rPr lang="en-GB" sz="900" dirty="0">
+            <a:pPr algn="ctr"/>
+            <a:r>
+              <a:rPr lang="en-GB" sz="900" dirty="0" smtClean="0">
                 <a:solidFill>
                   <a:schemeClr val="bg1"/>
                 </a:solidFill>
@@ -5273,8 +5301,16 @@
                 <a:ea typeface="TheSans B4SemiLight" charset="0"/>
                 <a:cs typeface="TheSans B4SemiLight" charset="0"/>
               </a:rPr>
-              <a:t>Technique</a:t>
-            </a:r>
+              <a:t>Resources</a:t>
+            </a:r>
+            <a:endParaRPr lang="en-GB" sz="900" dirty="0">
+              <a:solidFill>
+                <a:schemeClr val="bg1"/>
+              </a:solidFill>
+              <a:latin typeface="TheSans B4SemiLight" charset="0"/>
+              <a:ea typeface="TheSans B4SemiLight" charset="0"/>
+              <a:cs typeface="TheSans B4SemiLight" charset="0"/>
+            </a:endParaRPr>
           </a:p>
         </p:txBody>
       </p:sp>

--- a/manuscript/resources/images/originals/Design Complexity Model.pptx
+++ b/manuscript/resources/images/originals/Design Complexity Model.pptx
@@ -200,7 +200,7 @@
           <a:p>
             <a:fld id="{DE1486AF-FBBF-974C-8703-C8DDCB37462C}" type="datetimeFigureOut">
               <a:rPr lang="en-US" smtClean="0"/>
-              <a:t>9/30/17</a:t>
+              <a:t>2/8/18</a:t>
             </a:fld>
             <a:endParaRPr lang="en-US"/>
           </a:p>
@@ -264,38 +264,37 @@
           <a:p>
             <a:pPr lvl="0"/>
             <a:r>
-              <a:rPr lang="en-US" smtClean="0"/>
+              <a:rPr lang="en-US"/>
               <a:t>Click to edit Master text styles</a:t>
             </a:r>
           </a:p>
           <a:p>
             <a:pPr lvl="1"/>
             <a:r>
-              <a:rPr lang="en-US" smtClean="0"/>
+              <a:rPr lang="en-US"/>
               <a:t>Second level</a:t>
             </a:r>
           </a:p>
           <a:p>
             <a:pPr lvl="2"/>
             <a:r>
-              <a:rPr lang="en-US" smtClean="0"/>
+              <a:rPr lang="en-US"/>
               <a:t>Third level</a:t>
             </a:r>
           </a:p>
           <a:p>
             <a:pPr lvl="3"/>
             <a:r>
-              <a:rPr lang="en-US" smtClean="0"/>
+              <a:rPr lang="en-US"/>
               <a:t>Fourth level</a:t>
             </a:r>
           </a:p>
           <a:p>
             <a:pPr lvl="4"/>
             <a:r>
-              <a:rPr lang="en-US" smtClean="0"/>
+              <a:rPr lang="en-US"/>
               <a:t>Fifth level</a:t>
             </a:r>
-            <a:endParaRPr lang="en-US"/>
           </a:p>
         </p:txBody>
       </p:sp>
@@ -510,7 +509,7 @@
           </a:lstStyle>
           <a:p>
             <a:r>
-              <a:rPr lang="en-US" smtClean="0"/>
+              <a:rPr lang="en-US"/>
               <a:t>Click to edit Master title style</a:t>
             </a:r>
             <a:endParaRPr lang="en-US" dirty="0"/>
@@ -575,7 +574,7 @@
           </a:lstStyle>
           <a:p>
             <a:r>
-              <a:rPr lang="en-US" smtClean="0"/>
+              <a:rPr lang="en-US"/>
               <a:t>Click to edit Master subtitle style</a:t>
             </a:r>
             <a:endParaRPr lang="en-US" dirty="0"/>
@@ -599,7 +598,7 @@
           <a:p>
             <a:fld id="{5580ADE2-89C4-5049-8135-831C8A065133}" type="datetimeFigureOut">
               <a:rPr lang="en-US" smtClean="0"/>
-              <a:t>9/30/17</a:t>
+              <a:t>2/8/18</a:t>
             </a:fld>
             <a:endParaRPr lang="en-US"/>
           </a:p>
@@ -693,7 +692,7 @@
           <a:lstStyle/>
           <a:p>
             <a:r>
-              <a:rPr lang="en-US" smtClean="0"/>
+              <a:rPr lang="en-US"/>
               <a:t>Click to edit Master title style</a:t>
             </a:r>
             <a:endParaRPr lang="en-US" dirty="0"/>
@@ -717,35 +716,35 @@
           <a:p>
             <a:pPr lvl="0"/>
             <a:r>
-              <a:rPr lang="en-US" smtClean="0"/>
+              <a:rPr lang="en-US"/>
               <a:t>Click to edit Master text styles</a:t>
             </a:r>
           </a:p>
           <a:p>
             <a:pPr lvl="1"/>
             <a:r>
-              <a:rPr lang="en-US" smtClean="0"/>
+              <a:rPr lang="en-US"/>
               <a:t>Second level</a:t>
             </a:r>
           </a:p>
           <a:p>
             <a:pPr lvl="2"/>
             <a:r>
-              <a:rPr lang="en-US" smtClean="0"/>
+              <a:rPr lang="en-US"/>
               <a:t>Third level</a:t>
             </a:r>
           </a:p>
           <a:p>
             <a:pPr lvl="3"/>
             <a:r>
-              <a:rPr lang="en-US" smtClean="0"/>
+              <a:rPr lang="en-US"/>
               <a:t>Fourth level</a:t>
             </a:r>
           </a:p>
           <a:p>
             <a:pPr lvl="4"/>
             <a:r>
-              <a:rPr lang="en-US" smtClean="0"/>
+              <a:rPr lang="en-US"/>
               <a:t>Fifth level</a:t>
             </a:r>
             <a:endParaRPr lang="en-US" dirty="0"/>
@@ -769,7 +768,7 @@
           <a:p>
             <a:fld id="{5580ADE2-89C4-5049-8135-831C8A065133}" type="datetimeFigureOut">
               <a:rPr lang="en-US" smtClean="0"/>
-              <a:t>9/30/17</a:t>
+              <a:t>2/8/18</a:t>
             </a:fld>
             <a:endParaRPr lang="en-US"/>
           </a:p>
@@ -868,7 +867,7 @@
           <a:lstStyle/>
           <a:p>
             <a:r>
-              <a:rPr lang="en-US" smtClean="0"/>
+              <a:rPr lang="en-US"/>
               <a:t>Click to edit Master title style</a:t>
             </a:r>
             <a:endParaRPr lang="en-US" dirty="0"/>
@@ -897,35 +896,35 @@
           <a:p>
             <a:pPr lvl="0"/>
             <a:r>
-              <a:rPr lang="en-US" smtClean="0"/>
+              <a:rPr lang="en-US"/>
               <a:t>Click to edit Master text styles</a:t>
             </a:r>
           </a:p>
           <a:p>
             <a:pPr lvl="1"/>
             <a:r>
-              <a:rPr lang="en-US" smtClean="0"/>
+              <a:rPr lang="en-US"/>
               <a:t>Second level</a:t>
             </a:r>
           </a:p>
           <a:p>
             <a:pPr lvl="2"/>
             <a:r>
-              <a:rPr lang="en-US" smtClean="0"/>
+              <a:rPr lang="en-US"/>
               <a:t>Third level</a:t>
             </a:r>
           </a:p>
           <a:p>
             <a:pPr lvl="3"/>
             <a:r>
-              <a:rPr lang="en-US" smtClean="0"/>
+              <a:rPr lang="en-US"/>
               <a:t>Fourth level</a:t>
             </a:r>
           </a:p>
           <a:p>
             <a:pPr lvl="4"/>
             <a:r>
-              <a:rPr lang="en-US" smtClean="0"/>
+              <a:rPr lang="en-US"/>
               <a:t>Fifth level</a:t>
             </a:r>
             <a:endParaRPr lang="en-US" dirty="0"/>
@@ -949,7 +948,7 @@
           <a:p>
             <a:fld id="{5580ADE2-89C4-5049-8135-831C8A065133}" type="datetimeFigureOut">
               <a:rPr lang="en-US" smtClean="0"/>
-              <a:t>9/30/17</a:t>
+              <a:t>2/8/18</a:t>
             </a:fld>
             <a:endParaRPr lang="en-US"/>
           </a:p>
@@ -1043,7 +1042,7 @@
           <a:lstStyle/>
           <a:p>
             <a:r>
-              <a:rPr lang="en-US" smtClean="0"/>
+              <a:rPr lang="en-US"/>
               <a:t>Click to edit Master title style</a:t>
             </a:r>
             <a:endParaRPr lang="en-US" dirty="0"/>
@@ -1067,35 +1066,35 @@
           <a:p>
             <a:pPr lvl="0"/>
             <a:r>
-              <a:rPr lang="en-US" smtClean="0"/>
+              <a:rPr lang="en-US"/>
               <a:t>Click to edit Master text styles</a:t>
             </a:r>
           </a:p>
           <a:p>
             <a:pPr lvl="1"/>
             <a:r>
-              <a:rPr lang="en-US" smtClean="0"/>
+              <a:rPr lang="en-US"/>
               <a:t>Second level</a:t>
             </a:r>
           </a:p>
           <a:p>
             <a:pPr lvl="2"/>
             <a:r>
-              <a:rPr lang="en-US" smtClean="0"/>
+              <a:rPr lang="en-US"/>
               <a:t>Third level</a:t>
             </a:r>
           </a:p>
           <a:p>
             <a:pPr lvl="3"/>
             <a:r>
-              <a:rPr lang="en-US" smtClean="0"/>
+              <a:rPr lang="en-US"/>
               <a:t>Fourth level</a:t>
             </a:r>
           </a:p>
           <a:p>
             <a:pPr lvl="4"/>
             <a:r>
-              <a:rPr lang="en-US" smtClean="0"/>
+              <a:rPr lang="en-US"/>
               <a:t>Fifth level</a:t>
             </a:r>
             <a:endParaRPr lang="en-US" dirty="0"/>
@@ -1119,7 +1118,7 @@
           <a:p>
             <a:fld id="{5580ADE2-89C4-5049-8135-831C8A065133}" type="datetimeFigureOut">
               <a:rPr lang="en-US" smtClean="0"/>
-              <a:t>9/30/17</a:t>
+              <a:t>2/8/18</a:t>
             </a:fld>
             <a:endParaRPr lang="en-US"/>
           </a:p>
@@ -1222,7 +1221,7 @@
           </a:lstStyle>
           <a:p>
             <a:r>
-              <a:rPr lang="en-US" smtClean="0"/>
+              <a:rPr lang="en-US"/>
               <a:t>Click to edit Master title style</a:t>
             </a:r>
             <a:endParaRPr lang="en-US" dirty="0"/>
@@ -1340,7 +1339,7 @@
           <a:p>
             <a:pPr lvl="0"/>
             <a:r>
-              <a:rPr lang="en-US" smtClean="0"/>
+              <a:rPr lang="en-US"/>
               <a:t>Click to edit Master text styles</a:t>
             </a:r>
           </a:p>
@@ -1363,7 +1362,7 @@
           <a:p>
             <a:fld id="{5580ADE2-89C4-5049-8135-831C8A065133}" type="datetimeFigureOut">
               <a:rPr lang="en-US" smtClean="0"/>
-              <a:t>9/30/17</a:t>
+              <a:t>2/8/18</a:t>
             </a:fld>
             <a:endParaRPr lang="en-US"/>
           </a:p>
@@ -1457,7 +1456,7 @@
           <a:lstStyle/>
           <a:p>
             <a:r>
-              <a:rPr lang="en-US" smtClean="0"/>
+              <a:rPr lang="en-US"/>
               <a:t>Click to edit Master title style</a:t>
             </a:r>
             <a:endParaRPr lang="en-US" dirty="0"/>
@@ -1486,35 +1485,35 @@
           <a:p>
             <a:pPr lvl="0"/>
             <a:r>
-              <a:rPr lang="en-US" smtClean="0"/>
+              <a:rPr lang="en-US"/>
               <a:t>Click to edit Master text styles</a:t>
             </a:r>
           </a:p>
           <a:p>
             <a:pPr lvl="1"/>
             <a:r>
-              <a:rPr lang="en-US" smtClean="0"/>
+              <a:rPr lang="en-US"/>
               <a:t>Second level</a:t>
             </a:r>
           </a:p>
           <a:p>
             <a:pPr lvl="2"/>
             <a:r>
-              <a:rPr lang="en-US" smtClean="0"/>
+              <a:rPr lang="en-US"/>
               <a:t>Third level</a:t>
             </a:r>
           </a:p>
           <a:p>
             <a:pPr lvl="3"/>
             <a:r>
-              <a:rPr lang="en-US" smtClean="0"/>
+              <a:rPr lang="en-US"/>
               <a:t>Fourth level</a:t>
             </a:r>
           </a:p>
           <a:p>
             <a:pPr lvl="4"/>
             <a:r>
-              <a:rPr lang="en-US" smtClean="0"/>
+              <a:rPr lang="en-US"/>
               <a:t>Fifth level</a:t>
             </a:r>
             <a:endParaRPr lang="en-US" dirty="0"/>
@@ -1543,35 +1542,35 @@
           <a:p>
             <a:pPr lvl="0"/>
             <a:r>
-              <a:rPr lang="en-US" smtClean="0"/>
+              <a:rPr lang="en-US"/>
               <a:t>Click to edit Master text styles</a:t>
             </a:r>
           </a:p>
           <a:p>
             <a:pPr lvl="1"/>
             <a:r>
-              <a:rPr lang="en-US" smtClean="0"/>
+              <a:rPr lang="en-US"/>
               <a:t>Second level</a:t>
             </a:r>
           </a:p>
           <a:p>
             <a:pPr lvl="2"/>
             <a:r>
-              <a:rPr lang="en-US" smtClean="0"/>
+              <a:rPr lang="en-US"/>
               <a:t>Third level</a:t>
             </a:r>
           </a:p>
           <a:p>
             <a:pPr lvl="3"/>
             <a:r>
-              <a:rPr lang="en-US" smtClean="0"/>
+              <a:rPr lang="en-US"/>
               <a:t>Fourth level</a:t>
             </a:r>
           </a:p>
           <a:p>
             <a:pPr lvl="4"/>
             <a:r>
-              <a:rPr lang="en-US" smtClean="0"/>
+              <a:rPr lang="en-US"/>
               <a:t>Fifth level</a:t>
             </a:r>
             <a:endParaRPr lang="en-US" dirty="0"/>
@@ -1595,7 +1594,7 @@
           <a:p>
             <a:fld id="{5580ADE2-89C4-5049-8135-831C8A065133}" type="datetimeFigureOut">
               <a:rPr lang="en-US" smtClean="0"/>
-              <a:t>9/30/17</a:t>
+              <a:t>2/8/18</a:t>
             </a:fld>
             <a:endParaRPr lang="en-US"/>
           </a:p>
@@ -1694,7 +1693,7 @@
           <a:lstStyle/>
           <a:p>
             <a:r>
-              <a:rPr lang="en-US" smtClean="0"/>
+              <a:rPr lang="en-US"/>
               <a:t>Click to edit Master title style</a:t>
             </a:r>
             <a:endParaRPr lang="en-US" dirty="0"/>
@@ -1760,7 +1759,7 @@
           <a:p>
             <a:pPr lvl="0"/>
             <a:r>
-              <a:rPr lang="en-US" smtClean="0"/>
+              <a:rPr lang="en-US"/>
               <a:t>Click to edit Master text styles</a:t>
             </a:r>
           </a:p>
@@ -1788,35 +1787,35 @@
           <a:p>
             <a:pPr lvl="0"/>
             <a:r>
-              <a:rPr lang="en-US" smtClean="0"/>
+              <a:rPr lang="en-US"/>
               <a:t>Click to edit Master text styles</a:t>
             </a:r>
           </a:p>
           <a:p>
             <a:pPr lvl="1"/>
             <a:r>
-              <a:rPr lang="en-US" smtClean="0"/>
+              <a:rPr lang="en-US"/>
               <a:t>Second level</a:t>
             </a:r>
           </a:p>
           <a:p>
             <a:pPr lvl="2"/>
             <a:r>
-              <a:rPr lang="en-US" smtClean="0"/>
+              <a:rPr lang="en-US"/>
               <a:t>Third level</a:t>
             </a:r>
           </a:p>
           <a:p>
             <a:pPr lvl="3"/>
             <a:r>
-              <a:rPr lang="en-US" smtClean="0"/>
+              <a:rPr lang="en-US"/>
               <a:t>Fourth level</a:t>
             </a:r>
           </a:p>
           <a:p>
             <a:pPr lvl="4"/>
             <a:r>
-              <a:rPr lang="en-US" smtClean="0"/>
+              <a:rPr lang="en-US"/>
               <a:t>Fifth level</a:t>
             </a:r>
             <a:endParaRPr lang="en-US" dirty="0"/>
@@ -1882,7 +1881,7 @@
           <a:p>
             <a:pPr lvl="0"/>
             <a:r>
-              <a:rPr lang="en-US" smtClean="0"/>
+              <a:rPr lang="en-US"/>
               <a:t>Click to edit Master text styles</a:t>
             </a:r>
           </a:p>
@@ -1910,35 +1909,35 @@
           <a:p>
             <a:pPr lvl="0"/>
             <a:r>
-              <a:rPr lang="en-US" smtClean="0"/>
+              <a:rPr lang="en-US"/>
               <a:t>Click to edit Master text styles</a:t>
             </a:r>
           </a:p>
           <a:p>
             <a:pPr lvl="1"/>
             <a:r>
-              <a:rPr lang="en-US" smtClean="0"/>
+              <a:rPr lang="en-US"/>
               <a:t>Second level</a:t>
             </a:r>
           </a:p>
           <a:p>
             <a:pPr lvl="2"/>
             <a:r>
-              <a:rPr lang="en-US" smtClean="0"/>
+              <a:rPr lang="en-US"/>
               <a:t>Third level</a:t>
             </a:r>
           </a:p>
           <a:p>
             <a:pPr lvl="3"/>
             <a:r>
-              <a:rPr lang="en-US" smtClean="0"/>
+              <a:rPr lang="en-US"/>
               <a:t>Fourth level</a:t>
             </a:r>
           </a:p>
           <a:p>
             <a:pPr lvl="4"/>
             <a:r>
-              <a:rPr lang="en-US" smtClean="0"/>
+              <a:rPr lang="en-US"/>
               <a:t>Fifth level</a:t>
             </a:r>
             <a:endParaRPr lang="en-US" dirty="0"/>
@@ -1962,7 +1961,7 @@
           <a:p>
             <a:fld id="{5580ADE2-89C4-5049-8135-831C8A065133}" type="datetimeFigureOut">
               <a:rPr lang="en-US" smtClean="0"/>
-              <a:t>9/30/17</a:t>
+              <a:t>2/8/18</a:t>
             </a:fld>
             <a:endParaRPr lang="en-US"/>
           </a:p>
@@ -2056,7 +2055,7 @@
           <a:lstStyle/>
           <a:p>
             <a:r>
-              <a:rPr lang="en-US" smtClean="0"/>
+              <a:rPr lang="en-US"/>
               <a:t>Click to edit Master title style</a:t>
             </a:r>
             <a:endParaRPr lang="en-US" dirty="0"/>
@@ -2080,7 +2079,7 @@
           <a:p>
             <a:fld id="{5580ADE2-89C4-5049-8135-831C8A065133}" type="datetimeFigureOut">
               <a:rPr lang="en-US" smtClean="0"/>
-              <a:t>9/30/17</a:t>
+              <a:t>2/8/18</a:t>
             </a:fld>
             <a:endParaRPr lang="en-US"/>
           </a:p>
@@ -2175,7 +2174,7 @@
           <a:p>
             <a:fld id="{5580ADE2-89C4-5049-8135-831C8A065133}" type="datetimeFigureOut">
               <a:rPr lang="en-US" smtClean="0"/>
-              <a:t>9/30/17</a:t>
+              <a:t>2/8/18</a:t>
             </a:fld>
             <a:endParaRPr lang="en-US"/>
           </a:p>
@@ -2278,7 +2277,7 @@
           </a:lstStyle>
           <a:p>
             <a:r>
-              <a:rPr lang="en-US" smtClean="0"/>
+              <a:rPr lang="en-US"/>
               <a:t>Click to edit Master title style</a:t>
             </a:r>
             <a:endParaRPr lang="en-US" dirty="0"/>
@@ -2335,35 +2334,35 @@
           <a:p>
             <a:pPr lvl="0"/>
             <a:r>
-              <a:rPr lang="en-US" smtClean="0"/>
+              <a:rPr lang="en-US"/>
               <a:t>Click to edit Master text styles</a:t>
             </a:r>
           </a:p>
           <a:p>
             <a:pPr lvl="1"/>
             <a:r>
-              <a:rPr lang="en-US" smtClean="0"/>
+              <a:rPr lang="en-US"/>
               <a:t>Second level</a:t>
             </a:r>
           </a:p>
           <a:p>
             <a:pPr lvl="2"/>
             <a:r>
-              <a:rPr lang="en-US" smtClean="0"/>
+              <a:rPr lang="en-US"/>
               <a:t>Third level</a:t>
             </a:r>
           </a:p>
           <a:p>
             <a:pPr lvl="3"/>
             <a:r>
-              <a:rPr lang="en-US" smtClean="0"/>
+              <a:rPr lang="en-US"/>
               <a:t>Fourth level</a:t>
             </a:r>
           </a:p>
           <a:p>
             <a:pPr lvl="4"/>
             <a:r>
-              <a:rPr lang="en-US" smtClean="0"/>
+              <a:rPr lang="en-US"/>
               <a:t>Fifth level</a:t>
             </a:r>
             <a:endParaRPr lang="en-US" dirty="0"/>
@@ -2429,7 +2428,7 @@
           <a:p>
             <a:pPr lvl="0"/>
             <a:r>
-              <a:rPr lang="en-US" smtClean="0"/>
+              <a:rPr lang="en-US"/>
               <a:t>Click to edit Master text styles</a:t>
             </a:r>
           </a:p>
@@ -2452,7 +2451,7 @@
           <a:p>
             <a:fld id="{5580ADE2-89C4-5049-8135-831C8A065133}" type="datetimeFigureOut">
               <a:rPr lang="en-US" smtClean="0"/>
-              <a:t>9/30/17</a:t>
+              <a:t>2/8/18</a:t>
             </a:fld>
             <a:endParaRPr lang="en-US"/>
           </a:p>
@@ -2555,7 +2554,7 @@
           </a:lstStyle>
           <a:p>
             <a:r>
-              <a:rPr lang="en-US" smtClean="0"/>
+              <a:rPr lang="en-US"/>
               <a:t>Click to edit Master title style</a:t>
             </a:r>
             <a:endParaRPr lang="en-US" dirty="0"/>
@@ -2620,7 +2619,7 @@
           </a:lstStyle>
           <a:p>
             <a:r>
-              <a:rPr lang="en-US" smtClean="0"/>
+              <a:rPr lang="en-US"/>
               <a:t>Drag picture to placeholder or click icon to add</a:t>
             </a:r>
             <a:endParaRPr lang="en-US" dirty="0"/>
@@ -2686,7 +2685,7 @@
           <a:p>
             <a:pPr lvl="0"/>
             <a:r>
-              <a:rPr lang="en-US" smtClean="0"/>
+              <a:rPr lang="en-US"/>
               <a:t>Click to edit Master text styles</a:t>
             </a:r>
           </a:p>
@@ -2709,7 +2708,7 @@
           <a:p>
             <a:fld id="{5580ADE2-89C4-5049-8135-831C8A065133}" type="datetimeFigureOut">
               <a:rPr lang="en-US" smtClean="0"/>
-              <a:t>9/30/17</a:t>
+              <a:t>2/8/18</a:t>
             </a:fld>
             <a:endParaRPr lang="en-US"/>
           </a:p>
@@ -2818,7 +2817,7 @@
           <a:lstStyle/>
           <a:p>
             <a:r>
-              <a:rPr lang="en-US" smtClean="0"/>
+              <a:rPr lang="en-US"/>
               <a:t>Click to edit Master title style</a:t>
             </a:r>
             <a:endParaRPr lang="en-US" dirty="0"/>
@@ -2852,35 +2851,35 @@
           <a:p>
             <a:pPr lvl="0"/>
             <a:r>
-              <a:rPr lang="en-US" smtClean="0"/>
+              <a:rPr lang="en-US"/>
               <a:t>Click to edit Master text styles</a:t>
             </a:r>
           </a:p>
           <a:p>
             <a:pPr lvl="1"/>
             <a:r>
-              <a:rPr lang="en-US" smtClean="0"/>
+              <a:rPr lang="en-US"/>
               <a:t>Second level</a:t>
             </a:r>
           </a:p>
           <a:p>
             <a:pPr lvl="2"/>
             <a:r>
-              <a:rPr lang="en-US" smtClean="0"/>
+              <a:rPr lang="en-US"/>
               <a:t>Third level</a:t>
             </a:r>
           </a:p>
           <a:p>
             <a:pPr lvl="3"/>
             <a:r>
-              <a:rPr lang="en-US" smtClean="0"/>
+              <a:rPr lang="en-US"/>
               <a:t>Fourth level</a:t>
             </a:r>
           </a:p>
           <a:p>
             <a:pPr lvl="4"/>
             <a:r>
-              <a:rPr lang="en-US" smtClean="0"/>
+              <a:rPr lang="en-US"/>
               <a:t>Fifth level</a:t>
             </a:r>
             <a:endParaRPr lang="en-US" dirty="0"/>
@@ -2922,7 +2921,7 @@
           <a:p>
             <a:fld id="{5580ADE2-89C4-5049-8135-831C8A065133}" type="datetimeFigureOut">
               <a:rPr lang="en-US" smtClean="0"/>
-              <a:t>9/30/17</a:t>
+              <a:t>2/8/18</a:t>
             </a:fld>
             <a:endParaRPr lang="en-US"/>
           </a:p>
@@ -3511,7 +3510,7 @@
           <a:p>
             <a:pPr algn="ctr"/>
             <a:r>
-              <a:rPr lang="en-GB" sz="900" dirty="0" smtClean="0">
+              <a:rPr lang="en-GB" sz="900" dirty="0">
                 <a:solidFill>
                   <a:schemeClr val="bg1"/>
                 </a:solidFill>
@@ -3521,14 +3520,6 @@
               </a:rPr>
               <a:t>Resources</a:t>
             </a:r>
-            <a:endParaRPr lang="en-GB" sz="900" dirty="0">
-              <a:solidFill>
-                <a:schemeClr val="bg1"/>
-              </a:solidFill>
-              <a:latin typeface="TheSans B4SemiLight" charset="0"/>
-              <a:ea typeface="TheSans B4SemiLight" charset="0"/>
-              <a:cs typeface="TheSans B4SemiLight" charset="0"/>
-            </a:endParaRPr>
           </a:p>
         </p:txBody>
       </p:sp>
@@ -4101,7 +4092,7 @@
           <a:p>
             <a:pPr algn="ctr"/>
             <a:r>
-              <a:rPr lang="en-GB" sz="900" dirty="0" smtClean="0">
+              <a:rPr lang="en-GB" sz="900" dirty="0">
                 <a:solidFill>
                   <a:schemeClr val="bg1"/>
                 </a:solidFill>
@@ -4111,14 +4102,6 @@
               </a:rPr>
               <a:t>Resources</a:t>
             </a:r>
-            <a:endParaRPr lang="en-GB" sz="900" dirty="0">
-              <a:solidFill>
-                <a:schemeClr val="bg1"/>
-              </a:solidFill>
-              <a:latin typeface="TheSans B4SemiLight" charset="0"/>
-              <a:ea typeface="TheSans B4SemiLight" charset="0"/>
-              <a:cs typeface="TheSans B4SemiLight" charset="0"/>
-            </a:endParaRPr>
           </a:p>
         </p:txBody>
       </p:sp>
@@ -4188,7 +4171,7 @@
           <a:prstGeom prst="straightConnector1">
             <a:avLst/>
           </a:prstGeom>
-          <a:ln w="38100">
+          <a:ln w="63500">
             <a:solidFill>
               <a:srgbClr val="C00000"/>
             </a:solidFill>
@@ -4299,19 +4282,20 @@
         <p:nvCxnSpPr>
           <p:cNvPr id="38" name="Straight Arrow Connector 37"/>
           <p:cNvCxnSpPr>
+            <a:cxnSpLocks/>
             <a:endCxn id="5" idx="2"/>
           </p:cNvCxnSpPr>
           <p:nvPr/>
         </p:nvCxnSpPr>
         <p:spPr>
           <a:xfrm>
-            <a:off x="631902" y="2140373"/>
-            <a:ext cx="422045" cy="0"/>
+            <a:off x="402021" y="2140373"/>
+            <a:ext cx="651926" cy="0"/>
           </a:xfrm>
           <a:prstGeom prst="straightConnector1">
             <a:avLst/>
           </a:prstGeom>
-          <a:ln w="38100">
+          <a:ln w="63500">
             <a:solidFill>
               <a:srgbClr val="C00000"/>
             </a:solidFill>
@@ -4381,6 +4365,7 @@
         <p:nvCxnSpPr>
           <p:cNvPr id="47" name="Straight Arrow Connector 46"/>
           <p:cNvCxnSpPr>
+            <a:cxnSpLocks/>
             <a:stCxn id="8" idx="6"/>
           </p:cNvCxnSpPr>
           <p:nvPr/>
@@ -4388,12 +4373,12 @@
         <p:spPr>
           <a:xfrm>
             <a:off x="3459269" y="2140373"/>
-            <a:ext cx="428790" cy="0"/>
+            <a:ext cx="655531" cy="0"/>
           </a:xfrm>
           <a:prstGeom prst="straightConnector1">
             <a:avLst/>
           </a:prstGeom>
-          <a:ln w="38100">
+          <a:ln w="63500">
             <a:solidFill>
               <a:srgbClr val="C00000"/>
             </a:solidFill>
@@ -4697,7 +4682,7 @@
           <a:p>
             <a:pPr algn="ctr"/>
             <a:r>
-              <a:rPr lang="en-GB" sz="900" dirty="0" smtClean="0">
+              <a:rPr lang="en-GB" sz="900" dirty="0">
                 <a:solidFill>
                   <a:schemeClr val="bg1"/>
                 </a:solidFill>
@@ -4707,14 +4692,6 @@
               </a:rPr>
               <a:t>Resources</a:t>
             </a:r>
-            <a:endParaRPr lang="en-GB" sz="900" dirty="0">
-              <a:solidFill>
-                <a:schemeClr val="bg1"/>
-              </a:solidFill>
-              <a:latin typeface="TheSans B4SemiLight" charset="0"/>
-              <a:ea typeface="TheSans B4SemiLight" charset="0"/>
-              <a:cs typeface="TheSans B4SemiLight" charset="0"/>
-            </a:endParaRPr>
           </a:p>
         </p:txBody>
       </p:sp>
@@ -4868,7 +4845,7 @@
           <a:prstGeom prst="straightConnector1">
             <a:avLst/>
           </a:prstGeom>
-          <a:ln w="38100">
+          <a:ln w="63500">
             <a:solidFill>
               <a:srgbClr val="C00000"/>
             </a:solidFill>
@@ -4937,19 +4914,20 @@
         <p:nvCxnSpPr>
           <p:cNvPr id="44" name="Straight Arrow Connector 43"/>
           <p:cNvCxnSpPr>
+            <a:cxnSpLocks/>
             <a:endCxn id="11" idx="4"/>
           </p:cNvCxnSpPr>
           <p:nvPr/>
         </p:nvCxnSpPr>
         <p:spPr>
-          <a:xfrm flipH="1" flipV="1">
+          <a:xfrm flipV="1">
             <a:off x="2254684" y="3701778"/>
-            <a:ext cx="5296" cy="418386"/>
+            <a:ext cx="0" cy="488273"/>
           </a:xfrm>
           <a:prstGeom prst="straightConnector1">
             <a:avLst/>
           </a:prstGeom>
-          <a:ln w="38100">
+          <a:ln w="63500">
             <a:solidFill>
               <a:srgbClr val="C00000"/>
             </a:solidFill>
@@ -4977,6 +4955,7 @@
         <p:nvCxnSpPr>
           <p:cNvPr id="47" name="Straight Arrow Connector 46"/>
           <p:cNvCxnSpPr>
+            <a:cxnSpLocks/>
             <a:stCxn id="8" idx="6"/>
           </p:cNvCxnSpPr>
           <p:nvPr/>
@@ -4984,12 +4963,12 @@
         <p:spPr>
           <a:xfrm>
             <a:off x="3459269" y="2140373"/>
-            <a:ext cx="428790" cy="0"/>
+            <a:ext cx="655531" cy="0"/>
           </a:xfrm>
           <a:prstGeom prst="straightConnector1">
             <a:avLst/>
           </a:prstGeom>
-          <a:ln w="38100">
+          <a:ln w="63500">
             <a:solidFill>
               <a:srgbClr val="C00000"/>
             </a:solidFill>
@@ -5293,7 +5272,7 @@
           <a:p>
             <a:pPr algn="ctr"/>
             <a:r>
-              <a:rPr lang="en-GB" sz="900" dirty="0" smtClean="0">
+              <a:rPr lang="en-GB" sz="900" dirty="0">
                 <a:solidFill>
                   <a:schemeClr val="bg1"/>
                 </a:solidFill>
@@ -5303,14 +5282,6 @@
               </a:rPr>
               <a:t>Resources</a:t>
             </a:r>
-            <a:endParaRPr lang="en-GB" sz="900" dirty="0">
-              <a:solidFill>
-                <a:schemeClr val="bg1"/>
-              </a:solidFill>
-              <a:latin typeface="TheSans B4SemiLight" charset="0"/>
-              <a:ea typeface="TheSans B4SemiLight" charset="0"/>
-              <a:cs typeface="TheSans B4SemiLight" charset="0"/>
-            </a:endParaRPr>
           </a:p>
         </p:txBody>
       </p:sp>
@@ -5422,7 +5393,7 @@
           <a:prstGeom prst="straightConnector1">
             <a:avLst/>
           </a:prstGeom>
-          <a:ln w="38100">
+          <a:ln w="63500">
             <a:solidFill>
               <a:srgbClr val="C00000"/>
             </a:solidFill>
@@ -5491,19 +5462,20 @@
         <p:nvCxnSpPr>
           <p:cNvPr id="38" name="Straight Arrow Connector 37"/>
           <p:cNvCxnSpPr>
+            <a:cxnSpLocks/>
             <a:endCxn id="5" idx="2"/>
           </p:cNvCxnSpPr>
           <p:nvPr/>
         </p:nvCxnSpPr>
         <p:spPr>
           <a:xfrm>
-            <a:off x="631902" y="2140373"/>
-            <a:ext cx="422045" cy="0"/>
+            <a:off x="402021" y="2140373"/>
+            <a:ext cx="651926" cy="0"/>
           </a:xfrm>
           <a:prstGeom prst="straightConnector1">
             <a:avLst/>
           </a:prstGeom>
-          <a:ln w="38100">
+          <a:ln w="63500">
             <a:solidFill>
               <a:srgbClr val="C00000"/>
             </a:solidFill>
@@ -5531,6 +5503,8 @@
         <p:nvCxnSpPr>
           <p:cNvPr id="44" name="Straight Arrow Connector 43"/>
           <p:cNvCxnSpPr>
+            <a:cxnSpLocks/>
+            <a:stCxn id="14" idx="4"/>
             <a:endCxn id="11" idx="4"/>
           </p:cNvCxnSpPr>
           <p:nvPr/>
@@ -5538,12 +5512,12 @@
         <p:spPr>
           <a:xfrm flipH="1" flipV="1">
             <a:off x="2254684" y="3701778"/>
-            <a:ext cx="5296" cy="418386"/>
+            <a:ext cx="2" cy="488273"/>
           </a:xfrm>
           <a:prstGeom prst="straightConnector1">
             <a:avLst/>
           </a:prstGeom>
-          <a:ln w="38100">
+          <a:ln w="63500">
             <a:solidFill>
               <a:srgbClr val="C00000"/>
             </a:solidFill>

--- a/manuscript/resources/images/originals/Design Complexity Model.pptx
+++ b/manuscript/resources/images/originals/Design Complexity Model.pptx
@@ -5,13 +5,14 @@
     <p:sldMasterId id="2147483696" r:id="rId1"/>
   </p:sldMasterIdLst>
   <p:notesMasterIdLst>
-    <p:notesMasterId r:id="rId6"/>
+    <p:notesMasterId r:id="rId7"/>
   </p:notesMasterIdLst>
   <p:sldIdLst>
     <p:sldId id="260" r:id="rId2"/>
-    <p:sldId id="257" r:id="rId3"/>
-    <p:sldId id="261" r:id="rId4"/>
-    <p:sldId id="262" r:id="rId5"/>
+    <p:sldId id="263" r:id="rId3"/>
+    <p:sldId id="257" r:id="rId4"/>
+    <p:sldId id="261" r:id="rId5"/>
+    <p:sldId id="262" r:id="rId6"/>
   </p:sldIdLst>
   <p:sldSz cx="4500563" cy="4319588"/>
   <p:notesSz cx="6858000" cy="9144000"/>
@@ -200,7 +201,7 @@
           <a:p>
             <a:fld id="{DE1486AF-FBBF-974C-8703-C8DDCB37462C}" type="datetimeFigureOut">
               <a:rPr lang="en-US" smtClean="0"/>
-              <a:t>2/8/18</a:t>
+              <a:t>2/20/18</a:t>
             </a:fld>
             <a:endParaRPr lang="en-US"/>
           </a:p>
@@ -598,7 +599,7 @@
           <a:p>
             <a:fld id="{5580ADE2-89C4-5049-8135-831C8A065133}" type="datetimeFigureOut">
               <a:rPr lang="en-US" smtClean="0"/>
-              <a:t>2/8/18</a:t>
+              <a:t>2/20/18</a:t>
             </a:fld>
             <a:endParaRPr lang="en-US"/>
           </a:p>
@@ -768,7 +769,7 @@
           <a:p>
             <a:fld id="{5580ADE2-89C4-5049-8135-831C8A065133}" type="datetimeFigureOut">
               <a:rPr lang="en-US" smtClean="0"/>
-              <a:t>2/8/18</a:t>
+              <a:t>2/20/18</a:t>
             </a:fld>
             <a:endParaRPr lang="en-US"/>
           </a:p>
@@ -948,7 +949,7 @@
           <a:p>
             <a:fld id="{5580ADE2-89C4-5049-8135-831C8A065133}" type="datetimeFigureOut">
               <a:rPr lang="en-US" smtClean="0"/>
-              <a:t>2/8/18</a:t>
+              <a:t>2/20/18</a:t>
             </a:fld>
             <a:endParaRPr lang="en-US"/>
           </a:p>
@@ -1118,7 +1119,7 @@
           <a:p>
             <a:fld id="{5580ADE2-89C4-5049-8135-831C8A065133}" type="datetimeFigureOut">
               <a:rPr lang="en-US" smtClean="0"/>
-              <a:t>2/8/18</a:t>
+              <a:t>2/20/18</a:t>
             </a:fld>
             <a:endParaRPr lang="en-US"/>
           </a:p>
@@ -1362,7 +1363,7 @@
           <a:p>
             <a:fld id="{5580ADE2-89C4-5049-8135-831C8A065133}" type="datetimeFigureOut">
               <a:rPr lang="en-US" smtClean="0"/>
-              <a:t>2/8/18</a:t>
+              <a:t>2/20/18</a:t>
             </a:fld>
             <a:endParaRPr lang="en-US"/>
           </a:p>
@@ -1594,7 +1595,7 @@
           <a:p>
             <a:fld id="{5580ADE2-89C4-5049-8135-831C8A065133}" type="datetimeFigureOut">
               <a:rPr lang="en-US" smtClean="0"/>
-              <a:t>2/8/18</a:t>
+              <a:t>2/20/18</a:t>
             </a:fld>
             <a:endParaRPr lang="en-US"/>
           </a:p>
@@ -1961,7 +1962,7 @@
           <a:p>
             <a:fld id="{5580ADE2-89C4-5049-8135-831C8A065133}" type="datetimeFigureOut">
               <a:rPr lang="en-US" smtClean="0"/>
-              <a:t>2/8/18</a:t>
+              <a:t>2/20/18</a:t>
             </a:fld>
             <a:endParaRPr lang="en-US"/>
           </a:p>
@@ -2079,7 +2080,7 @@
           <a:p>
             <a:fld id="{5580ADE2-89C4-5049-8135-831C8A065133}" type="datetimeFigureOut">
               <a:rPr lang="en-US" smtClean="0"/>
-              <a:t>2/8/18</a:t>
+              <a:t>2/20/18</a:t>
             </a:fld>
             <a:endParaRPr lang="en-US"/>
           </a:p>
@@ -2174,7 +2175,7 @@
           <a:p>
             <a:fld id="{5580ADE2-89C4-5049-8135-831C8A065133}" type="datetimeFigureOut">
               <a:rPr lang="en-US" smtClean="0"/>
-              <a:t>2/8/18</a:t>
+              <a:t>2/20/18</a:t>
             </a:fld>
             <a:endParaRPr lang="en-US"/>
           </a:p>
@@ -2451,7 +2452,7 @@
           <a:p>
             <a:fld id="{5580ADE2-89C4-5049-8135-831C8A065133}" type="datetimeFigureOut">
               <a:rPr lang="en-US" smtClean="0"/>
-              <a:t>2/8/18</a:t>
+              <a:t>2/20/18</a:t>
             </a:fld>
             <a:endParaRPr lang="en-US"/>
           </a:p>
@@ -2708,7 +2709,7 @@
           <a:p>
             <a:fld id="{5580ADE2-89C4-5049-8135-831C8A065133}" type="datetimeFigureOut">
               <a:rPr lang="en-US" smtClean="0"/>
-              <a:t>2/8/18</a:t>
+              <a:t>2/20/18</a:t>
             </a:fld>
             <a:endParaRPr lang="en-US"/>
           </a:p>
@@ -2921,7 +2922,7 @@
           <a:p>
             <a:fld id="{5580ADE2-89C4-5049-8135-831C8A065133}" type="datetimeFigureOut">
               <a:rPr lang="en-US" smtClean="0"/>
-              <a:t>2/8/18</a:t>
+              <a:t>2/20/18</a:t>
             </a:fld>
             <a:endParaRPr lang="en-US"/>
           </a:p>
@@ -4171,7 +4172,7 @@
           <a:prstGeom prst="straightConnector1">
             <a:avLst/>
           </a:prstGeom>
-          <a:ln w="63500">
+          <a:ln w="57150">
             <a:solidFill>
               <a:srgbClr val="C00000"/>
             </a:solidFill>
@@ -4211,11 +4212,9 @@
           <a:prstGeom prst="straightConnector1">
             <a:avLst/>
           </a:prstGeom>
-          <a:ln w="38100">
+          <a:ln w="57150">
             <a:solidFill>
-              <a:schemeClr val="bg1">
-                <a:lumMod val="75000"/>
-              </a:schemeClr>
+              <a:srgbClr val="C00000"/>
             </a:solidFill>
             <a:headEnd type="triangle" w="med" len="med"/>
             <a:tailEnd type="triangle" w="med" len="med"/>
@@ -4253,11 +4252,9 @@
           <a:prstGeom prst="straightConnector1">
             <a:avLst/>
           </a:prstGeom>
-          <a:ln w="38100">
+          <a:ln w="57150">
             <a:solidFill>
-              <a:schemeClr val="bg1">
-                <a:lumMod val="75000"/>
-              </a:schemeClr>
+              <a:srgbClr val="C00000"/>
             </a:solidFill>
             <a:headEnd type="triangle" w="med" len="med"/>
             <a:tailEnd type="triangle" w="med" len="med"/>
@@ -4289,13 +4286,13 @@
         </p:nvCxnSpPr>
         <p:spPr>
           <a:xfrm>
-            <a:off x="402021" y="2140373"/>
-            <a:ext cx="651926" cy="0"/>
+            <a:off x="479272" y="2140373"/>
+            <a:ext cx="574675" cy="0"/>
           </a:xfrm>
           <a:prstGeom prst="straightConnector1">
             <a:avLst/>
           </a:prstGeom>
-          <a:ln w="63500">
+          <a:ln w="57150">
             <a:solidFill>
               <a:srgbClr val="C00000"/>
             </a:solidFill>
@@ -4335,11 +4332,9 @@
           <a:prstGeom prst="straightConnector1">
             <a:avLst/>
           </a:prstGeom>
-          <a:ln w="38100">
+          <a:ln w="57150">
             <a:solidFill>
-              <a:schemeClr val="bg1">
-                <a:lumMod val="75000"/>
-              </a:schemeClr>
+              <a:srgbClr val="C00000"/>
             </a:solidFill>
             <a:prstDash val="sysDot"/>
             <a:headEnd type="triangle" w="med" len="med"/>
@@ -4373,12 +4368,12 @@
         <p:spPr>
           <a:xfrm>
             <a:off x="3459269" y="2140373"/>
-            <a:ext cx="655531" cy="0"/>
+            <a:ext cx="583010" cy="0"/>
           </a:xfrm>
           <a:prstGeom prst="straightConnector1">
             <a:avLst/>
           </a:prstGeom>
-          <a:ln w="63500">
+          <a:ln w="57150">
             <a:solidFill>
               <a:srgbClr val="C00000"/>
             </a:solidFill>
@@ -4471,7 +4466,7 @@
     </p:spTree>
     <p:extLst>
       <p:ext uri="{BB962C8B-B14F-4D97-AF65-F5344CB8AC3E}">
-        <p14:creationId xmlns:p14="http://schemas.microsoft.com/office/powerpoint/2010/main" val="1740504341"/>
+        <p14:creationId xmlns:p14="http://schemas.microsoft.com/office/powerpoint/2010/main" val="3870541145"/>
       </p:ext>
     </p:extLst>
   </p:cSld>
@@ -4761,11 +4756,9 @@
           <a:prstGeom prst="straightConnector1">
             <a:avLst/>
           </a:prstGeom>
-          <a:ln w="38100">
+          <a:ln w="63500">
             <a:solidFill>
-              <a:schemeClr val="bg1">
-                <a:lumMod val="75000"/>
-              </a:schemeClr>
+              <a:srgbClr val="C00000"/>
             </a:solidFill>
             <a:headEnd type="triangle" w="med" len="med"/>
             <a:tailEnd type="triangle" w="med" len="med"/>
@@ -4845,6 +4838,598 @@
           <a:prstGeom prst="straightConnector1">
             <a:avLst/>
           </a:prstGeom>
+          <a:ln w="38100">
+            <a:solidFill>
+              <a:schemeClr val="bg1">
+                <a:lumMod val="75000"/>
+              </a:schemeClr>
+            </a:solidFill>
+            <a:headEnd type="triangle" w="med" len="med"/>
+            <a:tailEnd type="triangle" w="med" len="med"/>
+          </a:ln>
+        </p:spPr>
+        <p:style>
+          <a:lnRef idx="1">
+            <a:schemeClr val="accent1"/>
+          </a:lnRef>
+          <a:fillRef idx="0">
+            <a:schemeClr val="accent1"/>
+          </a:fillRef>
+          <a:effectRef idx="0">
+            <a:schemeClr val="accent1"/>
+          </a:effectRef>
+          <a:fontRef idx="minor">
+            <a:schemeClr val="tx1"/>
+          </a:fontRef>
+        </p:style>
+      </p:cxnSp>
+      <p:cxnSp>
+        <p:nvCxnSpPr>
+          <p:cNvPr id="38" name="Straight Arrow Connector 37"/>
+          <p:cNvCxnSpPr>
+            <a:cxnSpLocks/>
+            <a:endCxn id="5" idx="2"/>
+          </p:cNvCxnSpPr>
+          <p:nvPr/>
+        </p:nvCxnSpPr>
+        <p:spPr>
+          <a:xfrm>
+            <a:off x="402021" y="2140373"/>
+            <a:ext cx="651926" cy="0"/>
+          </a:xfrm>
+          <a:prstGeom prst="straightConnector1">
+            <a:avLst/>
+          </a:prstGeom>
+          <a:ln w="63500">
+            <a:solidFill>
+              <a:srgbClr val="C00000"/>
+            </a:solidFill>
+            <a:prstDash val="sysDot"/>
+            <a:headEnd type="triangle" w="med" len="med"/>
+            <a:tailEnd type="triangle" w="med" len="med"/>
+          </a:ln>
+        </p:spPr>
+        <p:style>
+          <a:lnRef idx="1">
+            <a:schemeClr val="accent1"/>
+          </a:lnRef>
+          <a:fillRef idx="0">
+            <a:schemeClr val="accent1"/>
+          </a:fillRef>
+          <a:effectRef idx="0">
+            <a:schemeClr val="accent1"/>
+          </a:effectRef>
+          <a:fontRef idx="minor">
+            <a:schemeClr val="tx1"/>
+          </a:fontRef>
+        </p:style>
+      </p:cxnSp>
+      <p:cxnSp>
+        <p:nvCxnSpPr>
+          <p:cNvPr id="44" name="Straight Arrow Connector 43"/>
+          <p:cNvCxnSpPr>
+            <a:endCxn id="11" idx="4"/>
+          </p:cNvCxnSpPr>
+          <p:nvPr/>
+        </p:nvCxnSpPr>
+        <p:spPr>
+          <a:xfrm flipH="1" flipV="1">
+            <a:off x="2254684" y="3701778"/>
+            <a:ext cx="5296" cy="418386"/>
+          </a:xfrm>
+          <a:prstGeom prst="straightConnector1">
+            <a:avLst/>
+          </a:prstGeom>
+          <a:ln w="38100">
+            <a:solidFill>
+              <a:schemeClr val="bg1">
+                <a:lumMod val="75000"/>
+              </a:schemeClr>
+            </a:solidFill>
+            <a:prstDash val="sysDot"/>
+            <a:headEnd type="triangle" w="med" len="med"/>
+            <a:tailEnd type="triangle" w="med" len="med"/>
+          </a:ln>
+        </p:spPr>
+        <p:style>
+          <a:lnRef idx="1">
+            <a:schemeClr val="accent1"/>
+          </a:lnRef>
+          <a:fillRef idx="0">
+            <a:schemeClr val="accent1"/>
+          </a:fillRef>
+          <a:effectRef idx="0">
+            <a:schemeClr val="accent1"/>
+          </a:effectRef>
+          <a:fontRef idx="minor">
+            <a:schemeClr val="tx1"/>
+          </a:fontRef>
+        </p:style>
+      </p:cxnSp>
+      <p:cxnSp>
+        <p:nvCxnSpPr>
+          <p:cNvPr id="47" name="Straight Arrow Connector 46"/>
+          <p:cNvCxnSpPr>
+            <a:cxnSpLocks/>
+            <a:stCxn id="8" idx="6"/>
+          </p:cNvCxnSpPr>
+          <p:nvPr/>
+        </p:nvCxnSpPr>
+        <p:spPr>
+          <a:xfrm>
+            <a:off x="3459269" y="2140373"/>
+            <a:ext cx="655531" cy="0"/>
+          </a:xfrm>
+          <a:prstGeom prst="straightConnector1">
+            <a:avLst/>
+          </a:prstGeom>
+          <a:ln w="63500">
+            <a:solidFill>
+              <a:srgbClr val="C00000"/>
+            </a:solidFill>
+            <a:prstDash val="sysDot"/>
+            <a:headEnd type="triangle" w="med" len="med"/>
+            <a:tailEnd type="triangle" w="med" len="med"/>
+          </a:ln>
+        </p:spPr>
+        <p:style>
+          <a:lnRef idx="1">
+            <a:schemeClr val="accent1"/>
+          </a:lnRef>
+          <a:fillRef idx="0">
+            <a:schemeClr val="accent1"/>
+          </a:fillRef>
+          <a:effectRef idx="0">
+            <a:schemeClr val="accent1"/>
+          </a:effectRef>
+          <a:fontRef idx="minor">
+            <a:schemeClr val="tx1"/>
+          </a:fontRef>
+        </p:style>
+      </p:cxnSp>
+      <p:sp>
+        <p:nvSpPr>
+          <p:cNvPr id="62" name="Rectangle 61"/>
+          <p:cNvSpPr/>
+          <p:nvPr/>
+        </p:nvSpPr>
+        <p:spPr>
+          <a:xfrm>
+            <a:off x="1421273" y="303644"/>
+            <a:ext cx="1680267" cy="369332"/>
+          </a:xfrm>
+          <a:prstGeom prst="rect">
+            <a:avLst/>
+          </a:prstGeom>
+        </p:spPr>
+        <p:txBody>
+          <a:bodyPr wrap="none">
+            <a:spAutoFit/>
+          </a:bodyPr>
+          <a:lstStyle/>
+          <a:p>
+            <a:pPr algn="ctr"/>
+            <a:r>
+              <a:rPr lang="en-GB" dirty="0">
+                <a:latin typeface="TheSans B4SemiLight" charset="0"/>
+                <a:ea typeface="TheSans B4SemiLight" charset="0"/>
+                <a:cs typeface="TheSans B4SemiLight" charset="0"/>
+              </a:rPr>
+              <a:t>External World</a:t>
+            </a:r>
+          </a:p>
+        </p:txBody>
+      </p:sp>
+      <p:sp>
+        <p:nvSpPr>
+          <p:cNvPr id="63" name="Rectangle 62"/>
+          <p:cNvSpPr/>
+          <p:nvPr/>
+        </p:nvSpPr>
+        <p:spPr>
+          <a:xfrm>
+            <a:off x="1423589" y="1155830"/>
+            <a:ext cx="1675459" cy="369332"/>
+          </a:xfrm>
+          <a:prstGeom prst="rect">
+            <a:avLst/>
+          </a:prstGeom>
+        </p:spPr>
+        <p:txBody>
+          <a:bodyPr wrap="none">
+            <a:spAutoFit/>
+          </a:bodyPr>
+          <a:lstStyle/>
+          <a:p>
+            <a:pPr algn="ctr"/>
+            <a:r>
+              <a:rPr lang="en-GB" dirty="0">
+                <a:latin typeface="TheSans B4SemiLight" charset="0"/>
+                <a:ea typeface="TheSans B4SemiLight" charset="0"/>
+                <a:cs typeface="TheSans B4SemiLight" charset="0"/>
+              </a:rPr>
+              <a:t>Design Activity</a:t>
+            </a:r>
+          </a:p>
+        </p:txBody>
+      </p:sp>
+    </p:spTree>
+    <p:extLst>
+      <p:ext uri="{BB962C8B-B14F-4D97-AF65-F5344CB8AC3E}">
+        <p14:creationId xmlns:p14="http://schemas.microsoft.com/office/powerpoint/2010/main" val="1740504341"/>
+      </p:ext>
+    </p:extLst>
+  </p:cSld>
+  <p:clrMapOvr>
+    <a:masterClrMapping/>
+  </p:clrMapOvr>
+</p:sld>
+</file>
+
+<file path=ppt/slides/slide4.xml><?xml version="1.0" encoding="utf-8"?>
+<p:sld xmlns:a="http://schemas.openxmlformats.org/drawingml/2006/main" xmlns:r="http://schemas.openxmlformats.org/officeDocument/2006/relationships" xmlns:p="http://schemas.openxmlformats.org/presentationml/2006/main">
+  <p:cSld>
+    <p:spTree>
+      <p:nvGrpSpPr>
+        <p:cNvPr id="1" name=""/>
+        <p:cNvGrpSpPr/>
+        <p:nvPr/>
+      </p:nvGrpSpPr>
+      <p:grpSpPr>
+        <a:xfrm>
+          <a:off x="0" y="0"/>
+          <a:ext cx="0" cy="0"/>
+          <a:chOff x="0" y="0"/>
+          <a:chExt cx="0" cy="0"/>
+        </a:xfrm>
+      </p:grpSpPr>
+      <p:sp>
+        <p:nvSpPr>
+          <p:cNvPr id="13" name="Oval 36"/>
+          <p:cNvSpPr>
+            <a:spLocks noChangeArrowheads="1"/>
+          </p:cNvSpPr>
+          <p:nvPr/>
+        </p:nvSpPr>
+        <p:spPr bwMode="auto">
+          <a:xfrm>
+            <a:off x="709187" y="967100"/>
+            <a:ext cx="3083176" cy="3083176"/>
+          </a:xfrm>
+          <a:prstGeom prst="ellipse">
+            <a:avLst/>
+          </a:prstGeom>
+          <a:noFill/>
+          <a:ln w="9525">
+            <a:solidFill>
+              <a:schemeClr val="tx1">
+                <a:lumMod val="50000"/>
+                <a:lumOff val="50000"/>
+              </a:schemeClr>
+            </a:solidFill>
+            <a:prstDash val="dash"/>
+            <a:round/>
+            <a:headEnd/>
+            <a:tailEnd/>
+          </a:ln>
+        </p:spPr>
+        <p:txBody>
+          <a:bodyPr vert="horz" wrap="square" lIns="91440" tIns="0" rIns="91440" bIns="46800" numCol="1" anchor="t" anchorCtr="0" compatLnSpc="1">
+            <a:prstTxWarp prst="textNoShape">
+              <a:avLst/>
+            </a:prstTxWarp>
+          </a:bodyPr>
+          <a:lstStyle/>
+          <a:p>
+            <a:pPr algn="ctr"/>
+            <a:endParaRPr lang="en-GB" dirty="0">
+              <a:solidFill>
+                <a:schemeClr val="accent2"/>
+              </a:solidFill>
+              <a:latin typeface="TheSans B4SemiLight" charset="0"/>
+              <a:ea typeface="TheSans B4SemiLight" charset="0"/>
+              <a:cs typeface="TheSans B4SemiLight" charset="0"/>
+            </a:endParaRPr>
+          </a:p>
+        </p:txBody>
+      </p:sp>
+      <p:sp>
+        <p:nvSpPr>
+          <p:cNvPr id="5" name="Oval 36"/>
+          <p:cNvSpPr>
+            <a:spLocks noChangeArrowheads="1"/>
+          </p:cNvSpPr>
+          <p:nvPr/>
+        </p:nvSpPr>
+        <p:spPr bwMode="auto">
+          <a:xfrm>
+            <a:off x="1053947" y="1786967"/>
+            <a:ext cx="706812" cy="706812"/>
+          </a:xfrm>
+          <a:prstGeom prst="ellipse">
+            <a:avLst/>
+          </a:prstGeom>
+          <a:solidFill>
+            <a:schemeClr val="tx2"/>
+          </a:solidFill>
+          <a:ln w="9525">
+            <a:noFill/>
+            <a:round/>
+            <a:headEnd/>
+            <a:tailEnd/>
+          </a:ln>
+        </p:spPr>
+        <p:txBody>
+          <a:bodyPr vert="horz" wrap="none" lIns="0" tIns="45720" rIns="0" bIns="45720" numCol="1" anchor="ctr" anchorCtr="0" compatLnSpc="1">
+            <a:prstTxWarp prst="textNoShape">
+              <a:avLst/>
+            </a:prstTxWarp>
+          </a:bodyPr>
+          <a:lstStyle/>
+          <a:p>
+            <a:pPr algn="ctr"/>
+            <a:r>
+              <a:rPr lang="en-GB" sz="900" dirty="0">
+                <a:solidFill>
+                  <a:schemeClr val="bg1"/>
+                </a:solidFill>
+                <a:latin typeface="TheSans B4SemiLight" charset="0"/>
+                <a:ea typeface="TheSans B4SemiLight" charset="0"/>
+                <a:cs typeface="TheSans B4SemiLight" charset="0"/>
+              </a:rPr>
+              <a:t>Situation</a:t>
+            </a:r>
+          </a:p>
+        </p:txBody>
+      </p:sp>
+      <p:sp>
+        <p:nvSpPr>
+          <p:cNvPr id="8" name="Oval 36"/>
+          <p:cNvSpPr>
+            <a:spLocks noChangeArrowheads="1"/>
+          </p:cNvSpPr>
+          <p:nvPr/>
+        </p:nvSpPr>
+        <p:spPr bwMode="auto">
+          <a:xfrm>
+            <a:off x="2752457" y="1786967"/>
+            <a:ext cx="706812" cy="706812"/>
+          </a:xfrm>
+          <a:prstGeom prst="ellipse">
+            <a:avLst/>
+          </a:prstGeom>
+          <a:solidFill>
+            <a:schemeClr val="tx2"/>
+          </a:solidFill>
+          <a:ln w="9525">
+            <a:noFill/>
+            <a:round/>
+            <a:headEnd/>
+            <a:tailEnd/>
+          </a:ln>
+        </p:spPr>
+        <p:txBody>
+          <a:bodyPr vert="horz" wrap="none" lIns="0" tIns="46800" rIns="0" bIns="45720" numCol="1" anchor="ctr" anchorCtr="0" compatLnSpc="1">
+            <a:prstTxWarp prst="textNoShape">
+              <a:avLst/>
+            </a:prstTxWarp>
+          </a:bodyPr>
+          <a:lstStyle/>
+          <a:p>
+            <a:pPr algn="ctr"/>
+            <a:r>
+              <a:rPr lang="en-GB" sz="900" dirty="0">
+                <a:solidFill>
+                  <a:schemeClr val="bg1"/>
+                </a:solidFill>
+                <a:latin typeface="TheSans B4SemiLight" charset="0"/>
+                <a:ea typeface="TheSans B4SemiLight" charset="0"/>
+                <a:cs typeface="TheSans B4SemiLight" charset="0"/>
+              </a:rPr>
+              <a:t>Outcome</a:t>
+            </a:r>
+          </a:p>
+        </p:txBody>
+      </p:sp>
+      <p:sp>
+        <p:nvSpPr>
+          <p:cNvPr id="11" name="Oval 36"/>
+          <p:cNvSpPr>
+            <a:spLocks noChangeArrowheads="1"/>
+          </p:cNvSpPr>
+          <p:nvPr/>
+        </p:nvSpPr>
+        <p:spPr bwMode="auto">
+          <a:xfrm>
+            <a:off x="1901278" y="2994966"/>
+            <a:ext cx="706812" cy="706812"/>
+          </a:xfrm>
+          <a:prstGeom prst="ellipse">
+            <a:avLst/>
+          </a:prstGeom>
+          <a:solidFill>
+            <a:schemeClr val="tx2"/>
+          </a:solidFill>
+          <a:ln w="9525">
+            <a:noFill/>
+            <a:round/>
+            <a:headEnd/>
+            <a:tailEnd/>
+          </a:ln>
+        </p:spPr>
+        <p:txBody>
+          <a:bodyPr vert="horz" wrap="none" lIns="0" tIns="0" rIns="0" bIns="0" numCol="1" anchor="ctr" anchorCtr="0" compatLnSpc="1">
+            <a:prstTxWarp prst="textNoShape">
+              <a:avLst/>
+            </a:prstTxWarp>
+          </a:bodyPr>
+          <a:lstStyle/>
+          <a:p>
+            <a:pPr algn="ctr"/>
+            <a:r>
+              <a:rPr lang="en-GB" sz="900" dirty="0">
+                <a:solidFill>
+                  <a:schemeClr val="bg1"/>
+                </a:solidFill>
+                <a:latin typeface="TheSans B4SemiLight" charset="0"/>
+                <a:ea typeface="TheSans B4SemiLight" charset="0"/>
+                <a:cs typeface="TheSans B4SemiLight" charset="0"/>
+              </a:rPr>
+              <a:t>Resources</a:t>
+            </a:r>
+          </a:p>
+        </p:txBody>
+      </p:sp>
+      <p:sp>
+        <p:nvSpPr>
+          <p:cNvPr id="14" name="Oval 36"/>
+          <p:cNvSpPr>
+            <a:spLocks noChangeArrowheads="1"/>
+          </p:cNvSpPr>
+          <p:nvPr/>
+        </p:nvSpPr>
+        <p:spPr bwMode="auto">
+          <a:xfrm>
+            <a:off x="233405" y="147490"/>
+            <a:ext cx="4042561" cy="4042561"/>
+          </a:xfrm>
+          <a:prstGeom prst="ellipse">
+            <a:avLst/>
+          </a:prstGeom>
+          <a:noFill/>
+          <a:ln w="9525">
+            <a:solidFill>
+              <a:schemeClr val="tx1">
+                <a:lumMod val="50000"/>
+                <a:lumOff val="50000"/>
+              </a:schemeClr>
+            </a:solidFill>
+            <a:round/>
+            <a:headEnd/>
+            <a:tailEnd/>
+          </a:ln>
+        </p:spPr>
+        <p:txBody>
+          <a:bodyPr vert="horz" wrap="square" lIns="91440" tIns="0" rIns="91440" bIns="45720" numCol="1" anchor="t" anchorCtr="0" compatLnSpc="1">
+            <a:prstTxWarp prst="textNoShape">
+              <a:avLst/>
+            </a:prstTxWarp>
+          </a:bodyPr>
+          <a:lstStyle/>
+          <a:p>
+            <a:pPr algn="ctr"/>
+            <a:endParaRPr lang="en-GB" dirty="0">
+              <a:solidFill>
+                <a:schemeClr val="accent2"/>
+              </a:solidFill>
+              <a:latin typeface="TheSans B4SemiLight" charset="0"/>
+              <a:ea typeface="TheSans B4SemiLight" charset="0"/>
+              <a:cs typeface="TheSans B4SemiLight" charset="0"/>
+            </a:endParaRPr>
+          </a:p>
+        </p:txBody>
+      </p:sp>
+      <p:cxnSp>
+        <p:nvCxnSpPr>
+          <p:cNvPr id="16" name="Straight Arrow Connector 15"/>
+          <p:cNvCxnSpPr>
+            <a:stCxn id="5" idx="6"/>
+            <a:endCxn id="8" idx="2"/>
+          </p:cNvCxnSpPr>
+          <p:nvPr/>
+        </p:nvCxnSpPr>
+        <p:spPr>
+          <a:xfrm>
+            <a:off x="1760759" y="2140373"/>
+            <a:ext cx="991698" cy="0"/>
+          </a:xfrm>
+          <a:prstGeom prst="straightConnector1">
+            <a:avLst/>
+          </a:prstGeom>
+          <a:ln w="38100">
+            <a:solidFill>
+              <a:schemeClr val="bg1">
+                <a:lumMod val="75000"/>
+              </a:schemeClr>
+            </a:solidFill>
+            <a:headEnd type="triangle" w="med" len="med"/>
+            <a:tailEnd type="triangle" w="med" len="med"/>
+          </a:ln>
+        </p:spPr>
+        <p:style>
+          <a:lnRef idx="1">
+            <a:schemeClr val="accent1"/>
+          </a:lnRef>
+          <a:fillRef idx="0">
+            <a:schemeClr val="accent1"/>
+          </a:fillRef>
+          <a:effectRef idx="0">
+            <a:schemeClr val="accent1"/>
+          </a:effectRef>
+          <a:fontRef idx="minor">
+            <a:schemeClr val="tx1"/>
+          </a:fontRef>
+        </p:style>
+      </p:cxnSp>
+      <p:cxnSp>
+        <p:nvCxnSpPr>
+          <p:cNvPr id="17" name="Straight Arrow Connector 16"/>
+          <p:cNvCxnSpPr>
+            <a:stCxn id="5" idx="5"/>
+            <a:endCxn id="11" idx="1"/>
+          </p:cNvCxnSpPr>
+          <p:nvPr/>
+        </p:nvCxnSpPr>
+        <p:spPr>
+          <a:xfrm>
+            <a:off x="1657253" y="2390273"/>
+            <a:ext cx="347539" cy="708207"/>
+          </a:xfrm>
+          <a:prstGeom prst="straightConnector1">
+            <a:avLst/>
+          </a:prstGeom>
+          <a:ln w="38100">
+            <a:solidFill>
+              <a:schemeClr val="bg1">
+                <a:lumMod val="75000"/>
+              </a:schemeClr>
+            </a:solidFill>
+            <a:headEnd type="triangle" w="med" len="med"/>
+            <a:tailEnd type="triangle" w="med" len="med"/>
+          </a:ln>
+        </p:spPr>
+        <p:style>
+          <a:lnRef idx="1">
+            <a:schemeClr val="accent1"/>
+          </a:lnRef>
+          <a:fillRef idx="0">
+            <a:schemeClr val="accent1"/>
+          </a:fillRef>
+          <a:effectRef idx="0">
+            <a:schemeClr val="accent1"/>
+          </a:effectRef>
+          <a:fontRef idx="minor">
+            <a:schemeClr val="tx1"/>
+          </a:fontRef>
+        </p:style>
+      </p:cxnSp>
+      <p:cxnSp>
+        <p:nvCxnSpPr>
+          <p:cNvPr id="20" name="Straight Arrow Connector 19"/>
+          <p:cNvCxnSpPr>
+            <a:stCxn id="8" idx="3"/>
+            <a:endCxn id="11" idx="7"/>
+          </p:cNvCxnSpPr>
+          <p:nvPr/>
+        </p:nvCxnSpPr>
+        <p:spPr>
+          <a:xfrm flipH="1">
+            <a:off x="2504584" y="2390273"/>
+            <a:ext cx="351387" cy="708207"/>
+          </a:xfrm>
+          <a:prstGeom prst="straightConnector1">
+            <a:avLst/>
+          </a:prstGeom>
           <a:ln w="63500">
             <a:solidFill>
               <a:srgbClr val="C00000"/>
@@ -5071,7 +5656,7 @@
 </p:sld>
 </file>
 
-<file path=ppt/slides/slide4.xml><?xml version="1.0" encoding="utf-8"?>
+<file path=ppt/slides/slide5.xml><?xml version="1.0" encoding="utf-8"?>
 <p:sld xmlns:a="http://schemas.openxmlformats.org/drawingml/2006/main" xmlns:r="http://schemas.openxmlformats.org/officeDocument/2006/relationships" xmlns:p="http://schemas.openxmlformats.org/presentationml/2006/main">
   <p:cSld>
     <p:spTree>
